--- a/DOC/05作成資料/00開発計画書/【遠隔監視システム開発】開発計画書.pptx
+++ b/DOC/05作成資料/00開発計画書/【遠隔監視システム開発】開発計画書.pptx
@@ -124,6 +124,22 @@
       </a:defRPr>
     </a:lvl9pPr>
   </p:defaultTextStyle>
+  <p:extLst>
+    <p:ext uri="{EFAFB233-063F-42B5-8137-9DF3F51BA10A}">
+      <p15:sldGuideLst xmlns:p15="http://schemas.microsoft.com/office/powerpoint/2012/main">
+        <p15:guide id="1" orient="horz" pos="2160">
+          <p15:clr>
+            <a:srgbClr val="A4A3A4"/>
+          </p15:clr>
+        </p15:guide>
+        <p15:guide id="2" pos="2880">
+          <p15:clr>
+            <a:srgbClr val="A4A3A4"/>
+          </p15:clr>
+        </p15:guide>
+      </p15:sldGuideLst>
+    </p:ext>
+  </p:extLst>
 </p:presentation>
 </file>
 
@@ -209,7 +225,7 @@
           <a:p>
             <a:fld id="{E3BA4C1E-A636-4B0C-8AF4-BE2AE9C476D8}" type="datetimeFigureOut">
               <a:rPr kumimoji="1" lang="ja-JP" altLang="en-US" smtClean="0"/>
-              <a:t>2017/4/10</a:t>
+              <a:t>2017/4/26</a:t>
             </a:fld>
             <a:endParaRPr kumimoji="1" lang="ja-JP" altLang="en-US"/>
           </a:p>
@@ -528,6 +544,90 @@
       </p:grpSpPr>
       <p:sp>
         <p:nvSpPr>
+          <p:cNvPr id="2" name="スライド イメージ プレースホルダー 1"/>
+          <p:cNvSpPr>
+            <a:spLocks noGrp="1" noRot="1" noChangeAspect="1"/>
+          </p:cNvSpPr>
+          <p:nvPr>
+            <p:ph type="sldImg"/>
+          </p:nvPr>
+        </p:nvSpPr>
+        <p:spPr/>
+      </p:sp>
+      <p:sp>
+        <p:nvSpPr>
+          <p:cNvPr id="3" name="ノート プレースホルダー 2"/>
+          <p:cNvSpPr>
+            <a:spLocks noGrp="1"/>
+          </p:cNvSpPr>
+          <p:nvPr>
+            <p:ph type="body" idx="1"/>
+          </p:nvPr>
+        </p:nvSpPr>
+        <p:spPr/>
+        <p:txBody>
+          <a:bodyPr/>
+          <a:lstStyle/>
+          <a:p>
+            <a:endParaRPr kumimoji="1" lang="ja-JP" altLang="en-US" dirty="0"/>
+          </a:p>
+        </p:txBody>
+      </p:sp>
+      <p:sp>
+        <p:nvSpPr>
+          <p:cNvPr id="4" name="スライド番号プレースホルダー 3"/>
+          <p:cNvSpPr>
+            <a:spLocks noGrp="1"/>
+          </p:cNvSpPr>
+          <p:nvPr>
+            <p:ph type="sldNum" sz="quarter" idx="10"/>
+          </p:nvPr>
+        </p:nvSpPr>
+        <p:spPr/>
+        <p:txBody>
+          <a:bodyPr/>
+          <a:lstStyle/>
+          <a:p>
+            <a:fld id="{1186689E-A9CE-46B7-A0EB-EF26CCEA2F65}" type="slidenum">
+              <a:rPr kumimoji="1" lang="ja-JP" altLang="en-US" smtClean="0"/>
+              <a:t>2</a:t>
+            </a:fld>
+            <a:endParaRPr kumimoji="1" lang="ja-JP" altLang="en-US"/>
+          </a:p>
+        </p:txBody>
+      </p:sp>
+    </p:spTree>
+    <p:extLst>
+      <p:ext uri="{BB962C8B-B14F-4D97-AF65-F5344CB8AC3E}">
+        <p14:creationId xmlns:p14="http://schemas.microsoft.com/office/powerpoint/2010/main" val="777350906"/>
+      </p:ext>
+    </p:extLst>
+  </p:cSld>
+  <p:clrMapOvr>
+    <a:masterClrMapping/>
+  </p:clrMapOvr>
+</p:notes>
+</file>
+
+<file path=ppt/notesSlides/notesSlide2.xml><?xml version="1.0" encoding="utf-8"?>
+<p:notes xmlns:a="http://schemas.openxmlformats.org/drawingml/2006/main" xmlns:r="http://schemas.openxmlformats.org/officeDocument/2006/relationships" xmlns:p="http://schemas.openxmlformats.org/presentationml/2006/main">
+  <p:cSld>
+    <p:spTree>
+      <p:nvGrpSpPr>
+        <p:cNvPr id="1" name=""/>
+        <p:cNvGrpSpPr/>
+        <p:nvPr/>
+      </p:nvGrpSpPr>
+      <p:grpSpPr>
+        <a:xfrm>
+          <a:off x="0" y="0"/>
+          <a:ext cx="0" cy="0"/>
+          <a:chOff x="0" y="0"/>
+          <a:chExt cx="0" cy="0"/>
+        </a:xfrm>
+      </p:grpSpPr>
+      <p:sp>
+        <p:nvSpPr>
           <p:cNvPr id="29698" name="Rectangle 7"/>
           <p:cNvSpPr>
             <a:spLocks noGrp="1" noChangeArrowheads="1"/>
@@ -692,7 +792,7 @@
         <p:nvSpPr>
           <p:cNvPr id="29699" name="Rectangle 2"/>
           <p:cNvSpPr>
-            <a:spLocks noChangeArrowheads="1" noTextEdit="1"/>
+            <a:spLocks noGrp="1" noRot="1" noChangeAspect="1" noChangeArrowheads="1" noTextEdit="1"/>
           </p:cNvSpPr>
           <p:nvPr>
             <p:ph type="sldImg"/>
@@ -740,7 +840,7 @@
 </p:notes>
 </file>
 
-<file path=ppt/notesSlides/notesSlide2.xml><?xml version="1.0" encoding="utf-8"?>
+<file path=ppt/notesSlides/notesSlide3.xml><?xml version="1.0" encoding="utf-8"?>
 <p:notes xmlns:a="http://schemas.openxmlformats.org/drawingml/2006/main" xmlns:r="http://schemas.openxmlformats.org/officeDocument/2006/relationships" xmlns:p="http://schemas.openxmlformats.org/presentationml/2006/main">
   <p:cSld>
     <p:spTree>
@@ -923,7 +1023,7 @@
         <p:nvSpPr>
           <p:cNvPr id="32771" name="Rectangle 2"/>
           <p:cNvSpPr>
-            <a:spLocks noChangeArrowheads="1" noTextEdit="1"/>
+            <a:spLocks noGrp="1" noRot="1" noChangeAspect="1" noChangeArrowheads="1" noTextEdit="1"/>
           </p:cNvSpPr>
           <p:nvPr>
             <p:ph type="sldImg"/>
@@ -1152,7 +1252,7 @@
           <a:p>
             <a:fld id="{4625301D-5037-4248-ADF8-341CED834575}" type="datetimeFigureOut">
               <a:rPr kumimoji="1" lang="ja-JP" altLang="en-US" smtClean="0"/>
-              <a:t>2017/4/10</a:t>
+              <a:t>2017/4/26</a:t>
             </a:fld>
             <a:endParaRPr kumimoji="1" lang="ja-JP" altLang="en-US"/>
           </a:p>
@@ -1354,7 +1454,7 @@
           <a:p>
             <a:fld id="{4625301D-5037-4248-ADF8-341CED834575}" type="datetimeFigureOut">
               <a:rPr kumimoji="1" lang="ja-JP" altLang="en-US" smtClean="0"/>
-              <a:t>2017/4/10</a:t>
+              <a:t>2017/4/26</a:t>
             </a:fld>
             <a:endParaRPr kumimoji="1" lang="ja-JP" altLang="en-US"/>
           </a:p>
@@ -1566,7 +1666,7 @@
           <a:p>
             <a:fld id="{4625301D-5037-4248-ADF8-341CED834575}" type="datetimeFigureOut">
               <a:rPr kumimoji="1" lang="ja-JP" altLang="en-US" smtClean="0"/>
-              <a:t>2017/4/10</a:t>
+              <a:t>2017/4/26</a:t>
             </a:fld>
             <a:endParaRPr kumimoji="1" lang="ja-JP" altLang="en-US"/>
           </a:p>
@@ -1890,7 +1990,7 @@
           <a:p>
             <a:fld id="{4625301D-5037-4248-ADF8-341CED834575}" type="datetimeFigureOut">
               <a:rPr kumimoji="1" lang="ja-JP" altLang="en-US" smtClean="0"/>
-              <a:t>2017/4/10</a:t>
+              <a:t>2017/4/26</a:t>
             </a:fld>
             <a:endParaRPr kumimoji="1" lang="ja-JP" altLang="en-US"/>
           </a:p>
@@ -2136,7 +2236,7 @@
           <a:p>
             <a:fld id="{4625301D-5037-4248-ADF8-341CED834575}" type="datetimeFigureOut">
               <a:rPr kumimoji="1" lang="ja-JP" altLang="en-US" smtClean="0"/>
-              <a:t>2017/4/10</a:t>
+              <a:t>2017/4/26</a:t>
             </a:fld>
             <a:endParaRPr kumimoji="1" lang="ja-JP" altLang="en-US"/>
           </a:p>
@@ -2488,7 +2588,7 @@
           <a:p>
             <a:fld id="{4625301D-5037-4248-ADF8-341CED834575}" type="datetimeFigureOut">
               <a:rPr kumimoji="1" lang="ja-JP" altLang="en-US" smtClean="0"/>
-              <a:t>2017/4/10</a:t>
+              <a:t>2017/4/26</a:t>
             </a:fld>
             <a:endParaRPr kumimoji="1" lang="ja-JP" altLang="en-US"/>
           </a:p>
@@ -2974,7 +3074,7 @@
           <a:p>
             <a:fld id="{4625301D-5037-4248-ADF8-341CED834575}" type="datetimeFigureOut">
               <a:rPr kumimoji="1" lang="ja-JP" altLang="en-US" smtClean="0"/>
-              <a:t>2017/4/10</a:t>
+              <a:t>2017/4/26</a:t>
             </a:fld>
             <a:endParaRPr kumimoji="1" lang="ja-JP" altLang="en-US"/>
           </a:p>
@@ -3092,7 +3192,7 @@
           <a:p>
             <a:fld id="{4625301D-5037-4248-ADF8-341CED834575}" type="datetimeFigureOut">
               <a:rPr kumimoji="1" lang="ja-JP" altLang="en-US" smtClean="0"/>
-              <a:t>2017/4/10</a:t>
+              <a:t>2017/4/26</a:t>
             </a:fld>
             <a:endParaRPr kumimoji="1" lang="ja-JP" altLang="en-US"/>
           </a:p>
@@ -3187,7 +3287,7 @@
           <a:p>
             <a:fld id="{4625301D-5037-4248-ADF8-341CED834575}" type="datetimeFigureOut">
               <a:rPr kumimoji="1" lang="ja-JP" altLang="en-US" smtClean="0"/>
-              <a:t>2017/4/10</a:t>
+              <a:t>2017/4/26</a:t>
             </a:fld>
             <a:endParaRPr kumimoji="1" lang="ja-JP" altLang="en-US"/>
           </a:p>
@@ -3496,7 +3596,7 @@
           <a:p>
             <a:fld id="{4625301D-5037-4248-ADF8-341CED834575}" type="datetimeFigureOut">
               <a:rPr kumimoji="1" lang="ja-JP" altLang="en-US" smtClean="0"/>
-              <a:t>2017/4/10</a:t>
+              <a:t>2017/4/26</a:t>
             </a:fld>
             <a:endParaRPr kumimoji="1" lang="ja-JP" altLang="en-US"/>
           </a:p>
@@ -3749,7 +3849,7 @@
           <a:p>
             <a:fld id="{4625301D-5037-4248-ADF8-341CED834575}" type="datetimeFigureOut">
               <a:rPr kumimoji="1" lang="ja-JP" altLang="en-US" smtClean="0"/>
-              <a:t>2017/4/10</a:t>
+              <a:t>2017/4/26</a:t>
             </a:fld>
             <a:endParaRPr kumimoji="1" lang="ja-JP" altLang="en-US"/>
           </a:p>
@@ -3994,7 +4094,7 @@
           <a:p>
             <a:fld id="{4625301D-5037-4248-ADF8-341CED834575}" type="datetimeFigureOut">
               <a:rPr kumimoji="1" lang="ja-JP" altLang="en-US" smtClean="0"/>
-              <a:t>2017/4/10</a:t>
+              <a:t>2017/4/26</a:t>
             </a:fld>
             <a:endParaRPr kumimoji="1" lang="ja-JP" altLang="en-US"/>
           </a:p>
@@ -4398,7 +4498,7 @@
                   <a:schemeClr val="tx1"/>
                 </a:solidFill>
               </a:rPr>
-              <a:t>Ver1.0</a:t>
+              <a:t>Ver1.1</a:t>
             </a:r>
             <a:endParaRPr kumimoji="1" lang="ja-JP" altLang="en-US" dirty="0">
               <a:solidFill>
@@ -5706,7 +5806,7 @@
           <p:nvPr>
             <p:extLst>
               <p:ext uri="{D42A27DB-BD31-4B8C-83A1-F6EECF244321}">
-                <p14:modId xmlns:p14="http://schemas.microsoft.com/office/powerpoint/2010/main" val="459983988"/>
+                <p14:modId xmlns:p14="http://schemas.microsoft.com/office/powerpoint/2010/main" val="1134032788"/>
               </p:ext>
             </p:extLst>
           </p:nvPr>
@@ -6155,7 +6255,7 @@
                     <a:p>
                       <a:r>
                         <a:rPr kumimoji="1" lang="ja-JP" altLang="en-US" sz="1400" dirty="0" smtClean="0"/>
-                        <a:t>監視端末機能設計書</a:t>
+                        <a:t>監視装置機能設計書</a:t>
                       </a:r>
                       <a:endParaRPr kumimoji="1" lang="ja-JP" altLang="en-US" sz="1400" dirty="0"/>
                     </a:p>
@@ -6339,11 +6439,7 @@
                     <a:p>
                       <a:r>
                         <a:rPr kumimoji="1" lang="ja-JP" altLang="en-US" sz="1400" dirty="0" smtClean="0"/>
-                        <a:t>監視</a:t>
-                      </a:r>
-                      <a:r>
-                        <a:rPr kumimoji="1" lang="ja-JP" altLang="en-US" sz="1400" dirty="0" smtClean="0"/>
-                        <a:t>端末構造設計書</a:t>
+                        <a:t>監視装置構造設計書</a:t>
                       </a:r>
                       <a:endParaRPr kumimoji="1" lang="ja-JP" altLang="en-US" sz="1400" dirty="0"/>
                     </a:p>
@@ -6527,11 +6623,7 @@
                     <a:p>
                       <a:r>
                         <a:rPr kumimoji="1" lang="ja-JP" altLang="en-US" sz="1400" dirty="0" smtClean="0"/>
-                        <a:t>監視</a:t>
-                      </a:r>
-                      <a:r>
-                        <a:rPr kumimoji="1" lang="ja-JP" altLang="en-US" sz="1400" dirty="0" smtClean="0"/>
-                        <a:t>端末詳細設計書</a:t>
+                        <a:t>監視装置詳細設計書</a:t>
                       </a:r>
                       <a:endParaRPr kumimoji="1" lang="ja-JP" altLang="en-US" sz="1400" dirty="0"/>
                     </a:p>
@@ -7356,7 +7448,7 @@
                     <a:p>
                       <a:r>
                         <a:rPr kumimoji="1" lang="ja-JP" altLang="en-US" sz="1400" dirty="0" smtClean="0"/>
-                        <a:t>監視端末単体評価仕様書</a:t>
+                        <a:t>監視装置単体評価仕様書</a:t>
                       </a:r>
                       <a:endParaRPr kumimoji="1" lang="ja-JP" altLang="en-US" sz="1400" dirty="0"/>
                     </a:p>
@@ -7540,7 +7632,7 @@
                     <a:p>
                       <a:r>
                         <a:rPr kumimoji="1" lang="ja-JP" altLang="en-US" sz="1400" dirty="0" smtClean="0"/>
-                        <a:t>監視端末結合評価仕様書</a:t>
+                        <a:t>監視装置結合評価仕様書</a:t>
                       </a:r>
                       <a:endParaRPr kumimoji="1" lang="ja-JP" altLang="en-US" sz="1400" dirty="0"/>
                     </a:p>
@@ -7724,7 +7816,7 @@
                     <a:p>
                       <a:r>
                         <a:rPr kumimoji="1" lang="ja-JP" altLang="en-US" sz="1400" dirty="0" smtClean="0"/>
-                        <a:t>監視端末機能評価仕様書</a:t>
+                        <a:t>監視装置機能評価仕様書</a:t>
                       </a:r>
                       <a:endParaRPr kumimoji="1" lang="ja-JP" altLang="en-US" sz="1400" dirty="0"/>
                     </a:p>
@@ -11058,7 +11150,7 @@
           <p:nvPr>
             <p:extLst>
               <p:ext uri="{D42A27DB-BD31-4B8C-83A1-F6EECF244321}">
-                <p14:modId xmlns:p14="http://schemas.microsoft.com/office/powerpoint/2010/main" val="462387215"/>
+                <p14:modId xmlns:p14="http://schemas.microsoft.com/office/powerpoint/2010/main" val="828229561"/>
               </p:ext>
             </p:extLst>
           </p:nvPr>
@@ -11359,9 +11451,10 @@
                     <a:lstStyle/>
                     <a:p>
                       <a:r>
-                        <a:rPr kumimoji="1" lang="en-US" altLang="ja-JP" dirty="0" smtClean="0"/>
-                        <a:t>Solaris</a:t>
+                        <a:rPr kumimoji="1" lang="ja-JP" altLang="en-US" dirty="0" smtClean="0"/>
+                        <a:t>サーバ</a:t>
                       </a:r>
+                      <a:endParaRPr kumimoji="1" lang="en-US" altLang="ja-JP" dirty="0" smtClean="0"/>
                     </a:p>
                   </a:txBody>
                   <a:tcPr/>
@@ -11438,8 +11531,8 @@
                     <a:lstStyle/>
                     <a:p>
                       <a:r>
-                        <a:rPr kumimoji="1" lang="en-US" altLang="ja-JP" dirty="0" err="1" smtClean="0"/>
-                        <a:t>RaspberryPi</a:t>
+                        <a:rPr kumimoji="1" lang="ja-JP" altLang="en-US" dirty="0" smtClean="0"/>
+                        <a:t>監視装置</a:t>
                       </a:r>
                       <a:endParaRPr kumimoji="1" lang="en-US" altLang="ja-JP" dirty="0" smtClean="0"/>
                     </a:p>
@@ -13556,14 +13649,14 @@
           <p:nvPr>
             <p:extLst>
               <p:ext uri="{D42A27DB-BD31-4B8C-83A1-F6EECF244321}">
-                <p14:modId xmlns:p14="http://schemas.microsoft.com/office/powerpoint/2010/main" val="311229198"/>
+                <p14:modId xmlns:p14="http://schemas.microsoft.com/office/powerpoint/2010/main" val="1873929267"/>
               </p:ext>
             </p:extLst>
           </p:nvPr>
         </p:nvGraphicFramePr>
         <p:xfrm>
-          <a:off x="755576" y="908723"/>
-          <a:ext cx="7560840" cy="4824531"/>
+          <a:off x="575556" y="1196752"/>
+          <a:ext cx="7992888" cy="4814708"/>
         </p:xfrm>
         <a:graphic>
           <a:graphicData uri="http://schemas.openxmlformats.org/drawingml/2006/table">
@@ -13572,12 +13665,12 @@
                 <a:tableStyleId>{5C22544A-7EE6-4342-B048-85BDC9FD1C3A}</a:tableStyleId>
               </a:tblPr>
               <a:tblGrid>
-                <a:gridCol w="1890210"/>
-                <a:gridCol w="1890210"/>
-                <a:gridCol w="1890210"/>
-                <a:gridCol w="1890210"/>
+                <a:gridCol w="1925559"/>
+                <a:gridCol w="1925559"/>
+                <a:gridCol w="1017277"/>
+                <a:gridCol w="3124493"/>
               </a:tblGrid>
-              <a:tr h="986837">
+              <a:tr h="576061">
                 <a:tc>
                   <a:txBody>
                     <a:bodyPr/>
@@ -13615,18 +13708,6 @@
                         <a:rPr kumimoji="1" lang="ja-JP" altLang="en-US" sz="2000" dirty="0" smtClean="0"/>
                         <a:t>作成者</a:t>
                       </a:r>
-                      <a:r>
-                        <a:rPr kumimoji="1" lang="en-US" altLang="ja-JP" sz="2000" dirty="0" smtClean="0"/>
-                        <a:t>(</a:t>
-                      </a:r>
-                      <a:r>
-                        <a:rPr kumimoji="1" lang="ja-JP" altLang="en-US" sz="2000" dirty="0" smtClean="0"/>
-                        <a:t>所属</a:t>
-                      </a:r>
-                      <a:r>
-                        <a:rPr kumimoji="1" lang="en-US" altLang="ja-JP" sz="2000" dirty="0" smtClean="0"/>
-                        <a:t>)</a:t>
-                      </a:r>
                       <a:endParaRPr kumimoji="1" lang="ja-JP" altLang="en-US" sz="2000" dirty="0"/>
                     </a:p>
                   </a:txBody>
@@ -13647,7 +13728,7 @@
                   <a:tcPr/>
                 </a:tc>
               </a:tr>
-              <a:tr h="548242">
+              <a:tr h="605521">
                 <a:tc>
                   <a:txBody>
                     <a:bodyPr/>
@@ -13705,12 +13786,16 @@
                   <a:tcPr/>
                 </a:tc>
               </a:tr>
-              <a:tr h="548242">
-                <a:tc>
-                  <a:txBody>
-                    <a:bodyPr/>
-                    <a:lstStyle/>
-                    <a:p>
+              <a:tr h="605521">
+                <a:tc>
+                  <a:txBody>
+                    <a:bodyPr/>
+                    <a:lstStyle/>
+                    <a:p>
+                      <a:r>
+                        <a:rPr kumimoji="1" lang="en-US" altLang="ja-JP" sz="2000" dirty="0" smtClean="0"/>
+                        <a:t>1.0</a:t>
+                      </a:r>
                       <a:endParaRPr kumimoji="1" lang="ja-JP" altLang="en-US" sz="2000" dirty="0"/>
                     </a:p>
                   </a:txBody>
@@ -13721,6 +13806,41 @@
                     <a:bodyPr/>
                     <a:lstStyle/>
                     <a:p>
+                      <a:pPr marL="0" marR="0" indent="0" algn="l" defTabSz="914400" rtl="0" eaLnBrk="1" fontAlgn="auto" latinLnBrk="0" hangingPunct="1">
+                        <a:lnSpc>
+                          <a:spcPct val="100000"/>
+                        </a:lnSpc>
+                        <a:spcBef>
+                          <a:spcPts val="0"/>
+                        </a:spcBef>
+                        <a:spcAft>
+                          <a:spcPts val="0"/>
+                        </a:spcAft>
+                        <a:buClrTx/>
+                        <a:buSzTx/>
+                        <a:buFontTx/>
+                        <a:buNone/>
+                        <a:tabLst/>
+                        <a:defRPr/>
+                      </a:pPr>
+                      <a:r>
+                        <a:rPr kumimoji="1" lang="en-US" altLang="ja-JP" sz="2000" dirty="0" smtClean="0"/>
+                        <a:t>2017/04/26</a:t>
+                      </a:r>
+                      <a:endParaRPr kumimoji="1" lang="ja-JP" altLang="en-US" sz="2000" dirty="0" smtClean="0"/>
+                    </a:p>
+                  </a:txBody>
+                  <a:tcPr/>
+                </a:tc>
+                <a:tc>
+                  <a:txBody>
+                    <a:bodyPr/>
+                    <a:lstStyle/>
+                    <a:p>
+                      <a:r>
+                        <a:rPr kumimoji="1" lang="ja-JP" altLang="en-US" sz="2000" dirty="0" smtClean="0"/>
+                        <a:t>若山</a:t>
+                      </a:r>
                       <a:endParaRPr kumimoji="1" lang="ja-JP" altLang="en-US" sz="2000" dirty="0"/>
                     </a:p>
                   </a:txBody>
@@ -13731,6 +13851,22 @@
                     <a:bodyPr/>
                     <a:lstStyle/>
                     <a:p>
+                      <a:r>
+                        <a:rPr kumimoji="1" lang="ja-JP" altLang="en-US" sz="2000" dirty="0" smtClean="0"/>
+                        <a:t>プロジェクト概要変更</a:t>
+                      </a:r>
+                      <a:endParaRPr kumimoji="1" lang="ja-JP" altLang="en-US" sz="2000" dirty="0"/>
+                    </a:p>
+                  </a:txBody>
+                  <a:tcPr/>
+                </a:tc>
+              </a:tr>
+              <a:tr h="605521">
+                <a:tc>
+                  <a:txBody>
+                    <a:bodyPr/>
+                    <a:lstStyle/>
+                    <a:p>
                       <a:endParaRPr kumimoji="1" lang="ja-JP" altLang="en-US" sz="2000"/>
                     </a:p>
                   </a:txBody>
@@ -13741,13 +13877,75 @@
                     <a:bodyPr/>
                     <a:lstStyle/>
                     <a:p>
+                      <a:endParaRPr kumimoji="1" lang="ja-JP" altLang="en-US" sz="2000" dirty="0"/>
+                    </a:p>
+                  </a:txBody>
+                  <a:tcPr/>
+                </a:tc>
+                <a:tc>
+                  <a:txBody>
+                    <a:bodyPr/>
+                    <a:lstStyle/>
+                    <a:p>
+                      <a:endParaRPr kumimoji="1" lang="ja-JP" altLang="en-US" sz="2000" dirty="0"/>
+                    </a:p>
+                  </a:txBody>
+                  <a:tcPr/>
+                </a:tc>
+                <a:tc>
+                  <a:txBody>
+                    <a:bodyPr/>
+                    <a:lstStyle/>
+                    <a:p>
+                      <a:endParaRPr kumimoji="1" lang="ja-JP" altLang="en-US" sz="2000" dirty="0"/>
+                    </a:p>
+                  </a:txBody>
+                  <a:tcPr/>
+                </a:tc>
+              </a:tr>
+              <a:tr h="605521">
+                <a:tc>
+                  <a:txBody>
+                    <a:bodyPr/>
+                    <a:lstStyle/>
+                    <a:p>
                       <a:endParaRPr kumimoji="1" lang="ja-JP" altLang="en-US" sz="2000"/>
                     </a:p>
                   </a:txBody>
                   <a:tcPr/>
                 </a:tc>
+                <a:tc>
+                  <a:txBody>
+                    <a:bodyPr/>
+                    <a:lstStyle/>
+                    <a:p>
+                      <a:endParaRPr kumimoji="1" lang="ja-JP" altLang="en-US" sz="2000" dirty="0"/>
+                    </a:p>
+                  </a:txBody>
+                  <a:tcPr/>
+                </a:tc>
+                <a:tc>
+                  <a:txBody>
+                    <a:bodyPr/>
+                    <a:lstStyle/>
+                    <a:p>
+                      <a:endParaRPr kumimoji="1" lang="ja-JP" altLang="en-US" sz="2000" dirty="0"/>
+                    </a:p>
+                  </a:txBody>
+                  <a:tcPr/>
+                </a:tc>
+                <a:tc>
+                  <a:txBody>
+                    <a:bodyPr/>
+                    <a:lstStyle/>
+                    <a:p>
+                      <a:endParaRPr kumimoji="1" lang="ja-JP" altLang="en-US" sz="2000"/>
+                    </a:p>
+                  </a:txBody>
+                  <a:tcPr/>
+                </a:tc>
               </a:tr>
-              <a:tr h="548242">
+              <a:tr h="605521">
                 <a:tc>
                   <a:txBody>
                     <a:bodyPr/>
@@ -13763,6 +13961,16 @@
                     <a:bodyPr/>
                     <a:lstStyle/>
                     <a:p>
+                      <a:endParaRPr kumimoji="1" lang="ja-JP" altLang="en-US" sz="2000"/>
+                    </a:p>
+                  </a:txBody>
+                  <a:tcPr/>
+                </a:tc>
+                <a:tc>
+                  <a:txBody>
+                    <a:bodyPr/>
+                    <a:lstStyle/>
+                    <a:p>
                       <a:endParaRPr kumimoji="1" lang="ja-JP" altLang="en-US" sz="2000" dirty="0"/>
                     </a:p>
                   </a:txBody>
@@ -13778,6 +13986,8 @@
                   </a:txBody>
                   <a:tcPr/>
                 </a:tc>
+              </a:tr>
+              <a:tr h="605521">
                 <a:tc>
                   <a:txBody>
                     <a:bodyPr/>
@@ -13788,140 +13998,44 @@
                   </a:txBody>
                   <a:tcPr/>
                 </a:tc>
+                <a:tc>
+                  <a:txBody>
+                    <a:bodyPr/>
+                    <a:lstStyle/>
+                    <a:p>
+                      <a:endParaRPr kumimoji="1" lang="ja-JP" altLang="en-US" sz="2000"/>
+                    </a:p>
+                  </a:txBody>
+                  <a:tcPr/>
+                </a:tc>
+                <a:tc>
+                  <a:txBody>
+                    <a:bodyPr/>
+                    <a:lstStyle/>
+                    <a:p>
+                      <a:endParaRPr kumimoji="1" lang="ja-JP" altLang="en-US" sz="2000" dirty="0"/>
+                    </a:p>
+                  </a:txBody>
+                  <a:tcPr/>
+                </a:tc>
+                <a:tc>
+                  <a:txBody>
+                    <a:bodyPr/>
+                    <a:lstStyle/>
+                    <a:p>
+                      <a:endParaRPr kumimoji="1" lang="ja-JP" altLang="en-US" sz="2000" dirty="0"/>
+                    </a:p>
+                  </a:txBody>
+                  <a:tcPr/>
+                </a:tc>
               </a:tr>
-              <a:tr h="548242">
-                <a:tc>
-                  <a:txBody>
-                    <a:bodyPr/>
-                    <a:lstStyle/>
-                    <a:p>
-                      <a:endParaRPr kumimoji="1" lang="ja-JP" altLang="en-US" sz="2000"/>
-                    </a:p>
-                  </a:txBody>
-                  <a:tcPr/>
-                </a:tc>
+              <a:tr h="605521">
                 <a:tc>
                   <a:txBody>
                     <a:bodyPr/>
                     <a:lstStyle/>
                     <a:p>
                       <a:endParaRPr kumimoji="1" lang="ja-JP" altLang="en-US" sz="2000" dirty="0"/>
-                    </a:p>
-                  </a:txBody>
-                  <a:tcPr/>
-                </a:tc>
-                <a:tc>
-                  <a:txBody>
-                    <a:bodyPr/>
-                    <a:lstStyle/>
-                    <a:p>
-                      <a:endParaRPr kumimoji="1" lang="ja-JP" altLang="en-US" sz="2000" dirty="0"/>
-                    </a:p>
-                  </a:txBody>
-                  <a:tcPr/>
-                </a:tc>
-                <a:tc>
-                  <a:txBody>
-                    <a:bodyPr/>
-                    <a:lstStyle/>
-                    <a:p>
-                      <a:endParaRPr kumimoji="1" lang="ja-JP" altLang="en-US" sz="2000"/>
-                    </a:p>
-                  </a:txBody>
-                  <a:tcPr/>
-                </a:tc>
-              </a:tr>
-              <a:tr h="548242">
-                <a:tc>
-                  <a:txBody>
-                    <a:bodyPr/>
-                    <a:lstStyle/>
-                    <a:p>
-                      <a:endParaRPr kumimoji="1" lang="ja-JP" altLang="en-US" sz="2000"/>
-                    </a:p>
-                  </a:txBody>
-                  <a:tcPr/>
-                </a:tc>
-                <a:tc>
-                  <a:txBody>
-                    <a:bodyPr/>
-                    <a:lstStyle/>
-                    <a:p>
-                      <a:endParaRPr kumimoji="1" lang="ja-JP" altLang="en-US" sz="2000"/>
-                    </a:p>
-                  </a:txBody>
-                  <a:tcPr/>
-                </a:tc>
-                <a:tc>
-                  <a:txBody>
-                    <a:bodyPr/>
-                    <a:lstStyle/>
-                    <a:p>
-                      <a:endParaRPr kumimoji="1" lang="ja-JP" altLang="en-US" sz="2000" dirty="0"/>
-                    </a:p>
-                  </a:txBody>
-                  <a:tcPr/>
-                </a:tc>
-                <a:tc>
-                  <a:txBody>
-                    <a:bodyPr/>
-                    <a:lstStyle/>
-                    <a:p>
-                      <a:endParaRPr kumimoji="1" lang="ja-JP" altLang="en-US" sz="2000" dirty="0"/>
-                    </a:p>
-                  </a:txBody>
-                  <a:tcPr/>
-                </a:tc>
-              </a:tr>
-              <a:tr h="548242">
-                <a:tc>
-                  <a:txBody>
-                    <a:bodyPr/>
-                    <a:lstStyle/>
-                    <a:p>
-                      <a:endParaRPr kumimoji="1" lang="ja-JP" altLang="en-US" sz="2000"/>
-                    </a:p>
-                  </a:txBody>
-                  <a:tcPr/>
-                </a:tc>
-                <a:tc>
-                  <a:txBody>
-                    <a:bodyPr/>
-                    <a:lstStyle/>
-                    <a:p>
-                      <a:endParaRPr kumimoji="1" lang="ja-JP" altLang="en-US" sz="2000"/>
-                    </a:p>
-                  </a:txBody>
-                  <a:tcPr/>
-                </a:tc>
-                <a:tc>
-                  <a:txBody>
-                    <a:bodyPr/>
-                    <a:lstStyle/>
-                    <a:p>
-                      <a:endParaRPr kumimoji="1" lang="ja-JP" altLang="en-US" sz="2000" dirty="0"/>
-                    </a:p>
-                  </a:txBody>
-                  <a:tcPr/>
-                </a:tc>
-                <a:tc>
-                  <a:txBody>
-                    <a:bodyPr/>
-                    <a:lstStyle/>
-                    <a:p>
-                      <a:endParaRPr kumimoji="1" lang="ja-JP" altLang="en-US" sz="2000" dirty="0"/>
-                    </a:p>
-                  </a:txBody>
-                  <a:tcPr/>
-                </a:tc>
-              </a:tr>
-              <a:tr h="548242">
-                <a:tc>
-                  <a:txBody>
-                    <a:bodyPr/>
-                    <a:lstStyle/>
-                    <a:p>
-                      <a:endParaRPr kumimoji="1" lang="ja-JP" altLang="en-US" sz="2000"/>
                     </a:p>
                   </a:txBody>
                   <a:tcPr/>
@@ -15749,8 +15863,8 @@
         </p:nvSpPr>
         <p:spPr>
           <a:xfrm>
-            <a:off x="395536" y="1052736"/>
-            <a:ext cx="8064896" cy="1728192"/>
+            <a:off x="179512" y="908720"/>
+            <a:ext cx="8748464" cy="5400600"/>
           </a:xfrm>
           <a:prstGeom prst="rect">
             <a:avLst/>
@@ -15798,85 +15912,720 @@
           </a:p>
           <a:p>
             <a:r>
-              <a:rPr lang="ja-JP" altLang="en-US" dirty="0" smtClean="0">
-                <a:solidFill>
-                  <a:schemeClr val="tx1"/>
-                </a:solidFill>
-              </a:rPr>
-              <a:t>監視装置から取得した情報を</a:t>
-            </a:r>
-            <a:r>
-              <a:rPr lang="en-US" altLang="ja-JP" dirty="0" smtClean="0">
-                <a:solidFill>
-                  <a:schemeClr val="tx1"/>
-                </a:solidFill>
+              <a:rPr lang="en-US" altLang="ja-JP" sz="1600" dirty="0" smtClean="0">
+                <a:solidFill>
+                  <a:schemeClr val="tx1"/>
+                </a:solidFill>
+                <a:latin typeface="MS PGothic" charset="-128"/>
+                <a:ea typeface="MS PGothic" charset="-128"/>
+                <a:cs typeface="MS PGothic" charset="-128"/>
               </a:rPr>
               <a:t>Web</a:t>
             </a:r>
             <a:r>
-              <a:rPr lang="ja-JP" altLang="en-US" dirty="0" smtClean="0">
-                <a:solidFill>
-                  <a:schemeClr val="tx1"/>
-                </a:solidFill>
+              <a:rPr lang="ja-JP" altLang="en-US" sz="1600" dirty="0" smtClean="0">
+                <a:solidFill>
+                  <a:schemeClr val="tx1"/>
+                </a:solidFill>
+                <a:latin typeface="MS PGothic" charset="-128"/>
+                <a:ea typeface="MS PGothic" charset="-128"/>
+                <a:cs typeface="MS PGothic" charset="-128"/>
               </a:rPr>
-              <a:t>アプリケーションで監視するシステム。</a:t>
-            </a:r>
-            <a:endParaRPr lang="en-US" altLang="ja-JP" dirty="0" smtClean="0">
+              <a:t>アプリケーションで温湿度監視を行うためのシステムの開発。</a:t>
+            </a:r>
+            <a:endParaRPr lang="en-US" altLang="ja-JP" sz="1600" dirty="0" smtClean="0">
               <a:solidFill>
                 <a:schemeClr val="tx1"/>
               </a:solidFill>
+              <a:latin typeface="MS PGothic" charset="-128"/>
+              <a:ea typeface="MS PGothic" charset="-128"/>
+              <a:cs typeface="MS PGothic" charset="-128"/>
             </a:endParaRPr>
           </a:p>
           <a:p>
-            <a:r>
-              <a:rPr lang="ja-JP" altLang="en-US" dirty="0" smtClean="0">
-                <a:solidFill>
-                  <a:schemeClr val="tx1"/>
-                </a:solidFill>
-                <a:latin typeface="ＭＳ ゴシック" pitchFamily="49" charset="-128"/>
-                <a:ea typeface="ＭＳ ゴシック" pitchFamily="49" charset="-128"/>
+            <a:pPr marL="914400" lvl="1" indent="-514350">
+              <a:spcBef>
+                <a:spcPts val="600"/>
+              </a:spcBef>
+              <a:buFont typeface="Wingdings" panose="05000000000000000000" pitchFamily="2" charset="2"/>
+              <a:buChar char="p"/>
+            </a:pPr>
+            <a:r>
+              <a:rPr lang="ja-JP" altLang="en-US" sz="1600" dirty="0">
+                <a:solidFill>
+                  <a:schemeClr val="tx1"/>
+                </a:solidFill>
+                <a:latin typeface="MS PGothic" charset="-128"/>
+                <a:ea typeface="MS PGothic" charset="-128"/>
+                <a:cs typeface="MS PGothic" charset="-128"/>
               </a:rPr>
-              <a:t>監視装置の温湿度を取得と送信する機能と</a:t>
-            </a:r>
-            <a:endParaRPr lang="en-US" altLang="ja-JP" dirty="0" smtClean="0">
+              <a:t>サーバ機能</a:t>
+            </a:r>
+            <a:endParaRPr lang="en-US" altLang="ja-JP" sz="1600" dirty="0">
+              <a:solidFill>
+                <a:schemeClr val="tx1"/>
+              </a:solidFill>
+              <a:latin typeface="MS PGothic" charset="-128"/>
+              <a:ea typeface="MS PGothic" charset="-128"/>
+              <a:cs typeface="MS PGothic" charset="-128"/>
+            </a:endParaRPr>
+          </a:p>
+          <a:p>
+            <a:pPr marL="1314450" lvl="2" indent="-514350">
+              <a:spcBef>
+                <a:spcPts val="600"/>
+              </a:spcBef>
+              <a:buFont typeface="Arial" panose="020B0604020202020204" pitchFamily="34" charset="0"/>
+              <a:buChar char="•"/>
+            </a:pPr>
+            <a:r>
+              <a:rPr lang="ja-JP" altLang="en-US" sz="1600" dirty="0">
+                <a:solidFill>
+                  <a:schemeClr val="tx1"/>
+                </a:solidFill>
+                <a:latin typeface="MS PGothic" charset="-128"/>
+                <a:ea typeface="MS PGothic" charset="-128"/>
+                <a:cs typeface="MS PGothic" charset="-128"/>
+              </a:rPr>
+              <a:t>ユーザ認証</a:t>
+            </a:r>
+            <a:r>
+              <a:rPr lang="en-US" altLang="ja-JP" sz="1600" dirty="0">
+                <a:solidFill>
+                  <a:schemeClr val="tx1"/>
+                </a:solidFill>
+                <a:latin typeface="MS PGothic" charset="-128"/>
+                <a:ea typeface="MS PGothic" charset="-128"/>
+                <a:cs typeface="MS PGothic" charset="-128"/>
+              </a:rPr>
+              <a:t>(</a:t>
+            </a:r>
+            <a:r>
+              <a:rPr lang="ja-JP" altLang="en-US" sz="1600" dirty="0">
+                <a:solidFill>
+                  <a:schemeClr val="tx1"/>
+                </a:solidFill>
+                <a:latin typeface="MS PGothic" charset="-128"/>
+                <a:ea typeface="MS PGothic" charset="-128"/>
+                <a:cs typeface="MS PGothic" charset="-128"/>
+              </a:rPr>
+              <a:t>管理者は表示機能＋設定・管理機能、一般ユーザは表示機能が使用可</a:t>
+            </a:r>
+            <a:r>
+              <a:rPr lang="en-US" altLang="ja-JP" sz="1600" dirty="0">
+                <a:solidFill>
+                  <a:schemeClr val="tx1"/>
+                </a:solidFill>
+                <a:latin typeface="MS PGothic" charset="-128"/>
+                <a:ea typeface="MS PGothic" charset="-128"/>
+                <a:cs typeface="MS PGothic" charset="-128"/>
+              </a:rPr>
+              <a:t>)</a:t>
+            </a:r>
+          </a:p>
+          <a:p>
+            <a:pPr marL="1314450" lvl="2" indent="-514350">
+              <a:spcBef>
+                <a:spcPts val="600"/>
+              </a:spcBef>
+              <a:buFont typeface="Arial" panose="020B0604020202020204" pitchFamily="34" charset="0"/>
+              <a:buChar char="•"/>
+            </a:pPr>
+            <a:r>
+              <a:rPr lang="ja-JP" altLang="en-US" sz="1600" dirty="0">
+                <a:solidFill>
+                  <a:schemeClr val="tx1"/>
+                </a:solidFill>
+                <a:latin typeface="MS PGothic" charset="-128"/>
+                <a:ea typeface="MS PGothic" charset="-128"/>
+                <a:cs typeface="MS PGothic" charset="-128"/>
+              </a:rPr>
+              <a:t>監視装置管理</a:t>
+            </a:r>
+            <a:r>
+              <a:rPr lang="en-US" altLang="ja-JP" sz="1600" dirty="0">
+                <a:solidFill>
+                  <a:schemeClr val="tx1"/>
+                </a:solidFill>
+                <a:latin typeface="MS PGothic" charset="-128"/>
+                <a:ea typeface="MS PGothic" charset="-128"/>
+                <a:cs typeface="MS PGothic" charset="-128"/>
+              </a:rPr>
+              <a:t>(</a:t>
+            </a:r>
+            <a:r>
+              <a:rPr lang="ja-JP" altLang="en-US" sz="1600" dirty="0">
+                <a:solidFill>
+                  <a:schemeClr val="tx1"/>
+                </a:solidFill>
+                <a:latin typeface="MS PGothic" charset="-128"/>
+                <a:ea typeface="MS PGothic" charset="-128"/>
+                <a:cs typeface="MS PGothic" charset="-128"/>
+              </a:rPr>
+              <a:t>登録、編集、削除</a:t>
+            </a:r>
+            <a:r>
+              <a:rPr lang="en-US" altLang="ja-JP" sz="1600" dirty="0">
+                <a:solidFill>
+                  <a:schemeClr val="tx1"/>
+                </a:solidFill>
+                <a:latin typeface="MS PGothic" charset="-128"/>
+                <a:ea typeface="MS PGothic" charset="-128"/>
+                <a:cs typeface="MS PGothic" charset="-128"/>
+              </a:rPr>
+              <a:t>)</a:t>
+            </a:r>
+          </a:p>
+          <a:p>
+            <a:pPr marL="1314450" lvl="2" indent="-514350">
+              <a:spcBef>
+                <a:spcPts val="600"/>
+              </a:spcBef>
+              <a:buFont typeface="Arial" panose="020B0604020202020204" pitchFamily="34" charset="0"/>
+              <a:buChar char="•"/>
+            </a:pPr>
+            <a:r>
+              <a:rPr lang="ja-JP" altLang="en-US" sz="1600" dirty="0">
+                <a:solidFill>
+                  <a:schemeClr val="tx1"/>
+                </a:solidFill>
+                <a:latin typeface="MS PGothic" charset="-128"/>
+                <a:ea typeface="MS PGothic" charset="-128"/>
+                <a:cs typeface="MS PGothic" charset="-128"/>
+              </a:rPr>
+              <a:t>トレンドデータ</a:t>
+            </a:r>
+            <a:r>
+              <a:rPr lang="en-US" altLang="ja-JP" sz="1600" dirty="0">
+                <a:solidFill>
+                  <a:schemeClr val="tx1"/>
+                </a:solidFill>
+                <a:latin typeface="MS PGothic" charset="-128"/>
+                <a:ea typeface="MS PGothic" charset="-128"/>
+                <a:cs typeface="MS PGothic" charset="-128"/>
+              </a:rPr>
+              <a:t>(</a:t>
+            </a:r>
+            <a:r>
+              <a:rPr lang="ja-JP" altLang="en-US" sz="1600" dirty="0">
+                <a:solidFill>
+                  <a:schemeClr val="tx1"/>
+                </a:solidFill>
+                <a:latin typeface="MS PGothic" charset="-128"/>
+                <a:ea typeface="MS PGothic" charset="-128"/>
+                <a:cs typeface="MS PGothic" charset="-128"/>
+              </a:rPr>
+              <a:t>温度、湿度</a:t>
+            </a:r>
+            <a:r>
+              <a:rPr lang="en-US" altLang="ja-JP" sz="1600" dirty="0">
+                <a:solidFill>
+                  <a:schemeClr val="tx1"/>
+                </a:solidFill>
+                <a:latin typeface="MS PGothic" charset="-128"/>
+                <a:ea typeface="MS PGothic" charset="-128"/>
+                <a:cs typeface="MS PGothic" charset="-128"/>
+              </a:rPr>
+              <a:t>)</a:t>
+            </a:r>
+            <a:r>
+              <a:rPr lang="ja-JP" altLang="en-US" sz="1600" dirty="0">
+                <a:solidFill>
+                  <a:schemeClr val="tx1"/>
+                </a:solidFill>
+                <a:latin typeface="MS PGothic" charset="-128"/>
+                <a:ea typeface="MS PGothic" charset="-128"/>
+                <a:cs typeface="MS PGothic" charset="-128"/>
+              </a:rPr>
+              <a:t>収集</a:t>
+            </a:r>
+            <a:endParaRPr lang="en-US" altLang="ja-JP" sz="1600" dirty="0">
+              <a:solidFill>
+                <a:schemeClr val="tx1"/>
+              </a:solidFill>
+              <a:latin typeface="MS PGothic" charset="-128"/>
+              <a:ea typeface="MS PGothic" charset="-128"/>
+              <a:cs typeface="MS PGothic" charset="-128"/>
+            </a:endParaRPr>
+          </a:p>
+          <a:p>
+            <a:pPr marL="1314450" lvl="2" indent="-514350">
+              <a:spcBef>
+                <a:spcPts val="600"/>
+              </a:spcBef>
+              <a:buFont typeface="Arial" panose="020B0604020202020204" pitchFamily="34" charset="0"/>
+              <a:buChar char="•"/>
+            </a:pPr>
+            <a:r>
+              <a:rPr lang="ja-JP" altLang="en-US" sz="1600" dirty="0">
+                <a:solidFill>
+                  <a:schemeClr val="tx1"/>
+                </a:solidFill>
+                <a:latin typeface="MS PGothic" charset="-128"/>
+                <a:ea typeface="MS PGothic" charset="-128"/>
+                <a:cs typeface="MS PGothic" charset="-128"/>
+              </a:rPr>
+              <a:t>監視機能</a:t>
+            </a:r>
+            <a:r>
+              <a:rPr lang="en-US" altLang="ja-JP" sz="1600" dirty="0">
+                <a:solidFill>
+                  <a:schemeClr val="tx1"/>
+                </a:solidFill>
+                <a:latin typeface="MS PGothic" charset="-128"/>
+                <a:ea typeface="MS PGothic" charset="-128"/>
+                <a:cs typeface="MS PGothic" charset="-128"/>
+              </a:rPr>
+              <a:t>(</a:t>
+            </a:r>
+            <a:r>
+              <a:rPr lang="ja-JP" altLang="en-US" sz="1600" dirty="0">
+                <a:solidFill>
+                  <a:schemeClr val="tx1"/>
+                </a:solidFill>
+                <a:latin typeface="MS PGothic" charset="-128"/>
+                <a:ea typeface="MS PGothic" charset="-128"/>
+                <a:cs typeface="MS PGothic" charset="-128"/>
+              </a:rPr>
+              <a:t>設定した範囲を超えた場合に警告表示、メール通知を行う</a:t>
+            </a:r>
+            <a:r>
+              <a:rPr lang="en-US" altLang="ja-JP" sz="1600" dirty="0">
+                <a:solidFill>
+                  <a:schemeClr val="tx1"/>
+                </a:solidFill>
+                <a:latin typeface="MS PGothic" charset="-128"/>
+                <a:ea typeface="MS PGothic" charset="-128"/>
+                <a:cs typeface="MS PGothic" charset="-128"/>
+              </a:rPr>
+              <a:t>)</a:t>
+            </a:r>
+          </a:p>
+          <a:p>
+            <a:pPr marL="1314450" lvl="2" indent="-514350">
+              <a:spcBef>
+                <a:spcPts val="600"/>
+              </a:spcBef>
+              <a:buFont typeface="Arial" panose="020B0604020202020204" pitchFamily="34" charset="0"/>
+              <a:buChar char="•"/>
+            </a:pPr>
+            <a:r>
+              <a:rPr lang="ja-JP" altLang="en-US" sz="1600" dirty="0">
+                <a:solidFill>
+                  <a:schemeClr val="tx1"/>
+                </a:solidFill>
+                <a:latin typeface="MS PGothic" charset="-128"/>
+                <a:ea typeface="MS PGothic" charset="-128"/>
+                <a:cs typeface="MS PGothic" charset="-128"/>
+              </a:rPr>
+              <a:t>履歴データ</a:t>
+            </a:r>
+            <a:r>
+              <a:rPr lang="en-US" altLang="ja-JP" sz="1600" dirty="0">
+                <a:solidFill>
+                  <a:schemeClr val="tx1"/>
+                </a:solidFill>
+                <a:latin typeface="MS PGothic" charset="-128"/>
+                <a:ea typeface="MS PGothic" charset="-128"/>
+                <a:cs typeface="MS PGothic" charset="-128"/>
+              </a:rPr>
+              <a:t>(</a:t>
+            </a:r>
+            <a:r>
+              <a:rPr lang="ja-JP" altLang="en-US" sz="1600" dirty="0">
+                <a:solidFill>
+                  <a:schemeClr val="tx1"/>
+                </a:solidFill>
+                <a:latin typeface="MS PGothic" charset="-128"/>
+                <a:ea typeface="MS PGothic" charset="-128"/>
+                <a:cs typeface="MS PGothic" charset="-128"/>
+              </a:rPr>
+              <a:t>温度、湿度</a:t>
+            </a:r>
+            <a:r>
+              <a:rPr lang="en-US" altLang="ja-JP" sz="1600" dirty="0">
+                <a:solidFill>
+                  <a:schemeClr val="tx1"/>
+                </a:solidFill>
+                <a:latin typeface="MS PGothic" charset="-128"/>
+                <a:ea typeface="MS PGothic" charset="-128"/>
+                <a:cs typeface="MS PGothic" charset="-128"/>
+              </a:rPr>
+              <a:t>)</a:t>
+            </a:r>
+            <a:r>
+              <a:rPr lang="ja-JP" altLang="en-US" sz="1600" dirty="0">
+                <a:solidFill>
+                  <a:schemeClr val="tx1"/>
+                </a:solidFill>
+                <a:latin typeface="MS PGothic" charset="-128"/>
+                <a:ea typeface="MS PGothic" charset="-128"/>
+                <a:cs typeface="MS PGothic" charset="-128"/>
+              </a:rPr>
+              <a:t>収集</a:t>
+            </a:r>
+            <a:endParaRPr lang="en-US" altLang="ja-JP" sz="1600" dirty="0">
+              <a:solidFill>
+                <a:schemeClr val="tx1"/>
+              </a:solidFill>
+              <a:latin typeface="MS PGothic" charset="-128"/>
+              <a:ea typeface="MS PGothic" charset="-128"/>
+              <a:cs typeface="MS PGothic" charset="-128"/>
+            </a:endParaRPr>
+          </a:p>
+          <a:p>
+            <a:pPr marL="1314450" lvl="2" indent="-514350">
+              <a:spcBef>
+                <a:spcPts val="600"/>
+              </a:spcBef>
+              <a:buFont typeface="Arial" panose="020B0604020202020204" pitchFamily="34" charset="0"/>
+              <a:buChar char="•"/>
+            </a:pPr>
+            <a:r>
+              <a:rPr lang="ja-JP" altLang="en-US" sz="1600" dirty="0">
+                <a:solidFill>
+                  <a:schemeClr val="tx1"/>
+                </a:solidFill>
+                <a:latin typeface="MS PGothic" charset="-128"/>
+                <a:ea typeface="MS PGothic" charset="-128"/>
+                <a:cs typeface="MS PGothic" charset="-128"/>
+              </a:rPr>
+              <a:t>トレンドデータ表示</a:t>
+            </a:r>
+            <a:r>
+              <a:rPr lang="en-US" altLang="ja-JP" sz="1600" dirty="0">
+                <a:solidFill>
+                  <a:schemeClr val="tx1"/>
+                </a:solidFill>
+                <a:latin typeface="MS PGothic" charset="-128"/>
+                <a:ea typeface="MS PGothic" charset="-128"/>
+                <a:cs typeface="MS PGothic" charset="-128"/>
+              </a:rPr>
+              <a:t>(</a:t>
+            </a:r>
+            <a:r>
+              <a:rPr lang="ja-JP" altLang="en-US" sz="1600" dirty="0">
+                <a:solidFill>
+                  <a:schemeClr val="tx1"/>
+                </a:solidFill>
+                <a:latin typeface="MS PGothic" charset="-128"/>
+                <a:ea typeface="MS PGothic" charset="-128"/>
+                <a:cs typeface="MS PGothic" charset="-128"/>
+              </a:rPr>
+              <a:t>グラフ表示</a:t>
+            </a:r>
+            <a:r>
+              <a:rPr lang="en-US" altLang="ja-JP" sz="1600" dirty="0">
+                <a:solidFill>
+                  <a:schemeClr val="tx1"/>
+                </a:solidFill>
+                <a:latin typeface="MS PGothic" charset="-128"/>
+                <a:ea typeface="MS PGothic" charset="-128"/>
+                <a:cs typeface="MS PGothic" charset="-128"/>
+              </a:rPr>
+              <a:t>)</a:t>
+            </a:r>
+          </a:p>
+          <a:p>
+            <a:pPr marL="1314450" lvl="2" indent="-514350">
+              <a:spcBef>
+                <a:spcPts val="600"/>
+              </a:spcBef>
+              <a:buFont typeface="Arial" panose="020B0604020202020204" pitchFamily="34" charset="0"/>
+              <a:buChar char="•"/>
+            </a:pPr>
+            <a:r>
+              <a:rPr lang="ja-JP" altLang="en-US" sz="1600" dirty="0">
+                <a:solidFill>
+                  <a:schemeClr val="tx1"/>
+                </a:solidFill>
+                <a:latin typeface="MS PGothic" charset="-128"/>
+                <a:ea typeface="MS PGothic" charset="-128"/>
+                <a:cs typeface="MS PGothic" charset="-128"/>
+              </a:rPr>
+              <a:t>監視装置の設定変更</a:t>
+            </a:r>
+            <a:r>
+              <a:rPr lang="en-US" altLang="ja-JP" sz="1600" dirty="0">
+                <a:solidFill>
+                  <a:schemeClr val="tx1"/>
+                </a:solidFill>
+                <a:latin typeface="MS PGothic" charset="-128"/>
+                <a:ea typeface="MS PGothic" charset="-128"/>
+                <a:cs typeface="MS PGothic" charset="-128"/>
+              </a:rPr>
+              <a:t>(</a:t>
+            </a:r>
+            <a:r>
+              <a:rPr lang="ja-JP" altLang="en-US" sz="1600" dirty="0">
+                <a:solidFill>
+                  <a:schemeClr val="tx1"/>
+                </a:solidFill>
+                <a:latin typeface="MS PGothic" charset="-128"/>
+                <a:ea typeface="MS PGothic" charset="-128"/>
+                <a:cs typeface="MS PGothic" charset="-128"/>
+              </a:rPr>
+              <a:t>温度・湿度の校正、データ収集周期</a:t>
+            </a:r>
+            <a:r>
+              <a:rPr lang="en-US" altLang="ja-JP" sz="1600" dirty="0">
+                <a:solidFill>
+                  <a:schemeClr val="tx1"/>
+                </a:solidFill>
+                <a:latin typeface="MS PGothic" charset="-128"/>
+                <a:ea typeface="MS PGothic" charset="-128"/>
+                <a:cs typeface="MS PGothic" charset="-128"/>
+              </a:rPr>
+              <a:t>)</a:t>
+            </a:r>
+          </a:p>
+          <a:p>
+            <a:pPr marL="1314450" lvl="2" indent="-514350">
+              <a:spcBef>
+                <a:spcPts val="600"/>
+              </a:spcBef>
+              <a:buFont typeface="Arial" panose="020B0604020202020204" pitchFamily="34" charset="0"/>
+              <a:buChar char="•"/>
+            </a:pPr>
+            <a:r>
+              <a:rPr lang="en-US" altLang="ja-JP" sz="1600" dirty="0">
+                <a:solidFill>
+                  <a:schemeClr val="tx1"/>
+                </a:solidFill>
+                <a:latin typeface="MS PGothic" charset="-128"/>
+                <a:ea typeface="MS PGothic" charset="-128"/>
+                <a:cs typeface="MS PGothic" charset="-128"/>
+              </a:rPr>
+              <a:t>csv</a:t>
+            </a:r>
+            <a:r>
+              <a:rPr lang="ja-JP" altLang="en-US" sz="1600" dirty="0">
+                <a:solidFill>
+                  <a:schemeClr val="tx1"/>
+                </a:solidFill>
+                <a:latin typeface="MS PGothic" charset="-128"/>
+                <a:ea typeface="MS PGothic" charset="-128"/>
+                <a:cs typeface="MS PGothic" charset="-128"/>
+              </a:rPr>
+              <a:t>出力</a:t>
+            </a:r>
+            <a:endParaRPr lang="en-US" altLang="ja-JP" sz="1600" dirty="0">
+              <a:solidFill>
+                <a:schemeClr val="tx1"/>
+              </a:solidFill>
+              <a:latin typeface="MS PGothic" charset="-128"/>
+              <a:ea typeface="MS PGothic" charset="-128"/>
+              <a:cs typeface="MS PGothic" charset="-128"/>
+            </a:endParaRPr>
+          </a:p>
+          <a:p>
+            <a:pPr marL="914400" lvl="1" indent="-514350">
+              <a:spcBef>
+                <a:spcPts val="600"/>
+              </a:spcBef>
+              <a:buFont typeface="Wingdings" panose="05000000000000000000" pitchFamily="2" charset="2"/>
+              <a:buChar char="p"/>
+            </a:pPr>
+            <a:r>
+              <a:rPr lang="ja-JP" altLang="en-US" sz="1600" dirty="0">
+                <a:solidFill>
+                  <a:schemeClr val="tx1"/>
+                </a:solidFill>
+                <a:latin typeface="MS PGothic" charset="-128"/>
+                <a:ea typeface="MS PGothic" charset="-128"/>
+                <a:cs typeface="MS PGothic" charset="-128"/>
+              </a:rPr>
+              <a:t>監視装置機能</a:t>
+            </a:r>
+            <a:endParaRPr lang="en-US" altLang="ja-JP" sz="1600" dirty="0">
+              <a:solidFill>
+                <a:schemeClr val="tx1"/>
+              </a:solidFill>
+              <a:latin typeface="MS PGothic" charset="-128"/>
+              <a:ea typeface="MS PGothic" charset="-128"/>
+              <a:cs typeface="MS PGothic" charset="-128"/>
+            </a:endParaRPr>
+          </a:p>
+          <a:p>
+            <a:pPr marL="1314450" lvl="2" indent="-514350">
+              <a:spcBef>
+                <a:spcPts val="600"/>
+              </a:spcBef>
+              <a:buFont typeface="Arial" panose="020B0604020202020204" pitchFamily="34" charset="0"/>
+              <a:buChar char="•"/>
+            </a:pPr>
+            <a:r>
+              <a:rPr lang="ja-JP" altLang="en-US" sz="1600" dirty="0">
+                <a:solidFill>
+                  <a:schemeClr val="tx1"/>
+                </a:solidFill>
+                <a:latin typeface="MS PGothic" charset="-128"/>
+                <a:ea typeface="MS PGothic" charset="-128"/>
+                <a:cs typeface="MS PGothic" charset="-128"/>
+              </a:rPr>
+              <a:t>トレンドデータ</a:t>
+            </a:r>
+            <a:r>
+              <a:rPr lang="en-US" altLang="ja-JP" sz="1600" dirty="0">
+                <a:solidFill>
+                  <a:schemeClr val="tx1"/>
+                </a:solidFill>
+                <a:latin typeface="MS PGothic" charset="-128"/>
+                <a:ea typeface="MS PGothic" charset="-128"/>
+                <a:cs typeface="MS PGothic" charset="-128"/>
+              </a:rPr>
+              <a:t>(</a:t>
+            </a:r>
+            <a:r>
+              <a:rPr lang="ja-JP" altLang="en-US" sz="1600" dirty="0">
+                <a:solidFill>
+                  <a:schemeClr val="tx1"/>
+                </a:solidFill>
+                <a:latin typeface="MS PGothic" charset="-128"/>
+                <a:ea typeface="MS PGothic" charset="-128"/>
+                <a:cs typeface="MS PGothic" charset="-128"/>
+              </a:rPr>
+              <a:t>温度、湿度</a:t>
+            </a:r>
+            <a:r>
+              <a:rPr lang="en-US" altLang="ja-JP" sz="1600" dirty="0">
+                <a:solidFill>
+                  <a:schemeClr val="tx1"/>
+                </a:solidFill>
+                <a:latin typeface="MS PGothic" charset="-128"/>
+                <a:ea typeface="MS PGothic" charset="-128"/>
+                <a:cs typeface="MS PGothic" charset="-128"/>
+              </a:rPr>
+              <a:t>)</a:t>
+            </a:r>
+            <a:r>
+              <a:rPr lang="ja-JP" altLang="en-US" sz="1600" dirty="0">
+                <a:solidFill>
+                  <a:schemeClr val="tx1"/>
+                </a:solidFill>
+                <a:latin typeface="MS PGothic" charset="-128"/>
+                <a:ea typeface="MS PGothic" charset="-128"/>
+                <a:cs typeface="MS PGothic" charset="-128"/>
+              </a:rPr>
+              <a:t>収集</a:t>
+            </a:r>
+            <a:endParaRPr lang="en-US" altLang="ja-JP" sz="1600" dirty="0">
+              <a:solidFill>
+                <a:schemeClr val="tx1"/>
+              </a:solidFill>
+              <a:latin typeface="MS PGothic" charset="-128"/>
+              <a:ea typeface="MS PGothic" charset="-128"/>
+              <a:cs typeface="MS PGothic" charset="-128"/>
+            </a:endParaRPr>
+          </a:p>
+          <a:p>
+            <a:pPr marL="1314450" lvl="2" indent="-514350">
+              <a:spcBef>
+                <a:spcPts val="600"/>
+              </a:spcBef>
+              <a:buFont typeface="Arial" panose="020B0604020202020204" pitchFamily="34" charset="0"/>
+              <a:buChar char="•"/>
+            </a:pPr>
+            <a:r>
+              <a:rPr lang="ja-JP" altLang="en-US" sz="1600" dirty="0">
+                <a:solidFill>
+                  <a:schemeClr val="tx1"/>
+                </a:solidFill>
+                <a:latin typeface="MS PGothic" charset="-128"/>
+                <a:ea typeface="MS PGothic" charset="-128"/>
+                <a:cs typeface="MS PGothic" charset="-128"/>
+              </a:rPr>
+              <a:t>履歴データ</a:t>
+            </a:r>
+            <a:r>
+              <a:rPr lang="en-US" altLang="ja-JP" sz="1600" dirty="0">
+                <a:solidFill>
+                  <a:schemeClr val="tx1"/>
+                </a:solidFill>
+                <a:latin typeface="MS PGothic" charset="-128"/>
+                <a:ea typeface="MS PGothic" charset="-128"/>
+                <a:cs typeface="MS PGothic" charset="-128"/>
+              </a:rPr>
+              <a:t>(</a:t>
+            </a:r>
+            <a:r>
+              <a:rPr lang="ja-JP" altLang="en-US" sz="1600" dirty="0">
+                <a:solidFill>
+                  <a:schemeClr val="tx1"/>
+                </a:solidFill>
+                <a:latin typeface="MS PGothic" charset="-128"/>
+                <a:ea typeface="MS PGothic" charset="-128"/>
+                <a:cs typeface="MS PGothic" charset="-128"/>
+              </a:rPr>
+              <a:t>温度、湿度</a:t>
+            </a:r>
+            <a:r>
+              <a:rPr lang="en-US" altLang="ja-JP" sz="1600" dirty="0">
+                <a:solidFill>
+                  <a:schemeClr val="tx1"/>
+                </a:solidFill>
+                <a:latin typeface="MS PGothic" charset="-128"/>
+                <a:ea typeface="MS PGothic" charset="-128"/>
+                <a:cs typeface="MS PGothic" charset="-128"/>
+              </a:rPr>
+              <a:t>)</a:t>
+            </a:r>
+            <a:r>
+              <a:rPr lang="ja-JP" altLang="en-US" sz="1600" dirty="0">
+                <a:solidFill>
+                  <a:schemeClr val="tx1"/>
+                </a:solidFill>
+                <a:latin typeface="MS PGothic" charset="-128"/>
+                <a:ea typeface="MS PGothic" charset="-128"/>
+                <a:cs typeface="MS PGothic" charset="-128"/>
+              </a:rPr>
+              <a:t>保存</a:t>
+            </a:r>
+            <a:endParaRPr lang="en-US" altLang="ja-JP" sz="1600" dirty="0">
+              <a:solidFill>
+                <a:schemeClr val="tx1"/>
+              </a:solidFill>
+              <a:latin typeface="MS PGothic" charset="-128"/>
+              <a:ea typeface="MS PGothic" charset="-128"/>
+              <a:cs typeface="MS PGothic" charset="-128"/>
+            </a:endParaRPr>
+          </a:p>
+          <a:p>
+            <a:pPr marL="1314450" lvl="2" indent="-514350">
+              <a:spcBef>
+                <a:spcPts val="600"/>
+              </a:spcBef>
+              <a:buFont typeface="Arial" panose="020B0604020202020204" pitchFamily="34" charset="0"/>
+              <a:buChar char="•"/>
+            </a:pPr>
+            <a:r>
+              <a:rPr lang="ja-JP" altLang="en-US" sz="1600" dirty="0">
+                <a:solidFill>
+                  <a:schemeClr val="tx1"/>
+                </a:solidFill>
+                <a:latin typeface="MS PGothic" charset="-128"/>
+                <a:ea typeface="MS PGothic" charset="-128"/>
+                <a:cs typeface="MS PGothic" charset="-128"/>
+              </a:rPr>
+              <a:t>装置の設定変更</a:t>
+            </a:r>
+            <a:endParaRPr lang="en-US" altLang="ja-JP" sz="1600" dirty="0">
+              <a:solidFill>
+                <a:schemeClr val="tx1"/>
+              </a:solidFill>
+              <a:latin typeface="MS PGothic" charset="-128"/>
+              <a:ea typeface="MS PGothic" charset="-128"/>
+              <a:cs typeface="MS PGothic" charset="-128"/>
+            </a:endParaRPr>
+          </a:p>
+          <a:p>
+            <a:endParaRPr lang="ja-JP" altLang="en-US" dirty="0" smtClean="0">
               <a:solidFill>
                 <a:schemeClr val="tx1"/>
               </a:solidFill>
               <a:latin typeface="ＭＳ ゴシック" pitchFamily="49" charset="-128"/>
               <a:ea typeface="ＭＳ ゴシック" pitchFamily="49" charset="-128"/>
             </a:endParaRPr>
-          </a:p>
-          <a:p>
-            <a:r>
-              <a:rPr lang="ja-JP" altLang="en-US" dirty="0" smtClean="0">
-                <a:solidFill>
-                  <a:schemeClr val="tx1"/>
-                </a:solidFill>
-                <a:latin typeface="ＭＳ ゴシック" pitchFamily="49" charset="-128"/>
-                <a:ea typeface="ＭＳ ゴシック" pitchFamily="49" charset="-128"/>
-              </a:rPr>
-              <a:t>監視装置の設定および収集したデータを表示する</a:t>
-            </a:r>
-            <a:r>
-              <a:rPr lang="en-US" altLang="ja-JP" dirty="0" smtClean="0">
-                <a:solidFill>
-                  <a:schemeClr val="tx1"/>
-                </a:solidFill>
-                <a:latin typeface="ＭＳ ゴシック" pitchFamily="49" charset="-128"/>
-                <a:ea typeface="ＭＳ ゴシック" pitchFamily="49" charset="-128"/>
-              </a:rPr>
-              <a:t>Web</a:t>
-            </a:r>
-            <a:r>
-              <a:rPr lang="ja-JP" altLang="en-US" dirty="0" smtClean="0">
-                <a:solidFill>
-                  <a:schemeClr val="tx1"/>
-                </a:solidFill>
-                <a:latin typeface="ＭＳ ゴシック" pitchFamily="49" charset="-128"/>
-                <a:ea typeface="ＭＳ ゴシック" pitchFamily="49" charset="-128"/>
-              </a:rPr>
-              <a:t>アプリケーションの作成を行う。</a:t>
-            </a:r>
           </a:p>
         </p:txBody>
       </p:sp>
@@ -16827,7 +17576,9 @@
                 <a:solidFill>
                   <a:schemeClr val="bg1"/>
                 </a:solidFill>
-                <a:latin typeface="Times" charset="0"/>
+                <a:latin typeface="MS PGothic" charset="-128"/>
+                <a:ea typeface="MS PGothic" charset="-128"/>
+                <a:cs typeface="MS PGothic" charset="-128"/>
               </a:rPr>
               <a:t>　②</a:t>
             </a:r>
@@ -16836,7 +17587,9 @@
                 <a:solidFill>
                   <a:schemeClr val="bg1"/>
                 </a:solidFill>
-                <a:latin typeface="Times" charset="0"/>
+                <a:latin typeface="MS PGothic" charset="-128"/>
+                <a:ea typeface="MS PGothic" charset="-128"/>
+                <a:cs typeface="MS PGothic" charset="-128"/>
               </a:rPr>
               <a:t>プロジェクト方針</a:t>
             </a:r>
@@ -16844,7 +17597,9 @@
               <a:solidFill>
                 <a:schemeClr val="bg1"/>
               </a:solidFill>
-              <a:latin typeface="Times" charset="0"/>
+              <a:latin typeface="MS PGothic" charset="-128"/>
+              <a:ea typeface="MS PGothic" charset="-128"/>
+              <a:cs typeface="MS PGothic" charset="-128"/>
             </a:endParaRPr>
           </a:p>
         </p:txBody>
@@ -16895,6 +17650,9 @@
                 <a:solidFill>
                   <a:schemeClr val="tx1"/>
                 </a:solidFill>
+                <a:latin typeface="MS PGothic" charset="-128"/>
+                <a:ea typeface="MS PGothic" charset="-128"/>
+                <a:cs typeface="MS PGothic" charset="-128"/>
               </a:rPr>
               <a:t>■　品質方針：</a:t>
             </a:r>
@@ -16947,6 +17705,9 @@
                 <a:solidFill>
                   <a:schemeClr val="tx1"/>
                 </a:solidFill>
+                <a:latin typeface="MS PGothic" charset="-128"/>
+                <a:ea typeface="MS PGothic" charset="-128"/>
+                <a:cs typeface="MS PGothic" charset="-128"/>
               </a:rPr>
               <a:t>■　コスト方針：</a:t>
             </a:r>
@@ -16999,6 +17760,9 @@
                 <a:solidFill>
                   <a:schemeClr val="tx1"/>
                 </a:solidFill>
+                <a:latin typeface="MS PGothic" charset="-128"/>
+                <a:ea typeface="MS PGothic" charset="-128"/>
+                <a:cs typeface="MS PGothic" charset="-128"/>
               </a:rPr>
               <a:t>■　納期方針：</a:t>
             </a:r>
@@ -20304,12 +21068,12 @@
           <a:graphicData uri="http://schemas.openxmlformats.org/presentationml/2006/ole">
             <mc:AlternateContent xmlns:mc="http://schemas.openxmlformats.org/markup-compatibility/2006">
               <mc:Choice xmlns:v="urn:schemas-microsoft-com:vml" Requires="v">
-                <p:oleObj spid="_x0000_s1034" name="ワークシート" r:id="rId3" imgW="7934154" imgH="1257159" progId="Excel.Sheet.8">
+                <p:oleObj spid="_x0000_s1046" name="ワークシート" r:id="rId4" imgW="7934154" imgH="1257159" progId="Excel.Sheet.8">
                   <p:embed/>
                 </p:oleObj>
               </mc:Choice>
               <mc:Fallback>
-                <p:oleObj name="ワークシート" r:id="rId3" imgW="7934154" imgH="1257159" progId="Excel.Sheet.8">
+                <p:oleObj name="ワークシート" r:id="rId4" imgW="7934154" imgH="1257159" progId="Excel.Sheet.8">
                   <p:embed/>
                   <p:pic>
                     <p:nvPicPr>
@@ -20320,7 +21084,7 @@
                       <p:nvPr/>
                     </p:nvPicPr>
                     <p:blipFill>
-                      <a:blip r:embed="rId4">
+                      <a:blip r:embed="rId5">
                         <a:extLst>
                           <a:ext uri="{28A0092B-C50C-407E-A947-70E740481C1C}">
                             <a14:useLocalDpi xmlns:a14="http://schemas.microsoft.com/office/drawing/2010/main" val="0"/>
@@ -20387,12 +21151,12 @@
           <a:graphicData uri="http://schemas.openxmlformats.org/presentationml/2006/ole">
             <mc:AlternateContent xmlns:mc="http://schemas.openxmlformats.org/markup-compatibility/2006">
               <mc:Choice xmlns:v="urn:schemas-microsoft-com:vml" Requires="v">
-                <p:oleObj spid="_x0000_s1035" name="ワークシート" r:id="rId5" imgW="3009963" imgH="1257159" progId="Excel.Sheet.8">
+                <p:oleObj spid="_x0000_s1047" name="ワークシート" r:id="rId7" imgW="3009963" imgH="1257159" progId="Excel.Sheet.8">
                   <p:embed/>
                 </p:oleObj>
               </mc:Choice>
               <mc:Fallback>
-                <p:oleObj name="ワークシート" r:id="rId5" imgW="3009963" imgH="1257159" progId="Excel.Sheet.8">
+                <p:oleObj name="ワークシート" r:id="rId7" imgW="3009963" imgH="1257159" progId="Excel.Sheet.8">
                   <p:embed/>
                   <p:pic>
                     <p:nvPicPr>
@@ -20403,7 +21167,7 @@
                       <p:nvPr/>
                     </p:nvPicPr>
                     <p:blipFill>
-                      <a:blip r:embed="rId6">
+                      <a:blip r:embed="rId8">
                         <a:extLst>
                           <a:ext uri="{28A0092B-C50C-407E-A947-70E740481C1C}">
                             <a14:useLocalDpi xmlns:a14="http://schemas.microsoft.com/office/drawing/2010/main" val="0"/>
@@ -20947,12 +21711,12 @@
           <a:graphicData uri="http://schemas.openxmlformats.org/presentationml/2006/ole">
             <mc:AlternateContent xmlns:mc="http://schemas.openxmlformats.org/markup-compatibility/2006">
               <mc:Choice xmlns:v="urn:schemas-microsoft-com:vml" Requires="v">
-                <p:oleObj spid="_x0000_s2053" name="ワークシート" r:id="rId3" imgW="5067162" imgH="1552406" progId="Excel.Sheet.8">
+                <p:oleObj spid="_x0000_s2060" name="ワークシート" r:id="rId4" imgW="5067162" imgH="1552406" progId="Excel.Sheet.8">
                   <p:embed/>
                 </p:oleObj>
               </mc:Choice>
               <mc:Fallback>
-                <p:oleObj name="ワークシート" r:id="rId3" imgW="5067162" imgH="1552406" progId="Excel.Sheet.8">
+                <p:oleObj name="ワークシート" r:id="rId4" imgW="5067162" imgH="1552406" progId="Excel.Sheet.8">
                   <p:embed/>
                   <p:pic>
                     <p:nvPicPr>
@@ -20963,7 +21727,7 @@
                       <p:nvPr/>
                     </p:nvPicPr>
                     <p:blipFill>
-                      <a:blip r:embed="rId4">
+                      <a:blip r:embed="rId5">
                         <a:extLst>
                           <a:ext uri="{28A0092B-C50C-407E-A947-70E740481C1C}">
                             <a14:useLocalDpi xmlns:a14="http://schemas.microsoft.com/office/drawing/2010/main" val="0"/>
